--- a/frontend/react-ts/public/picture/主页卡片.pptx
+++ b/frontend/react-ts/public/picture/主页卡片.pptx
@@ -10,6 +10,8 @@
     <p:sldId id="258" r:id="rId4"/>
     <p:sldId id="259" r:id="rId5"/>
     <p:sldId id="260" r:id="rId6"/>
+    <p:sldId id="261" r:id="rId7"/>
+    <p:sldId id="262" r:id="rId8"/>
   </p:sldIdLst>
   <p:sldSz cx="12192000" cy="6858000"/>
   <p:notesSz cx="6858000" cy="9144000"/>
@@ -263,7 +265,7 @@
           <a:p>
             <a:fld id="{F0F50F8A-A77D-4BA2-92FD-675F9079B0FE}" type="datetimeFigureOut">
               <a:rPr lang="zh-CN" altLang="en-US" smtClean="0"/>
-              <a:t>2026/2/12</a:t>
+              <a:t>2026/2/20</a:t>
             </a:fld>
             <a:endParaRPr lang="zh-CN" altLang="en-US"/>
           </a:p>
@@ -461,7 +463,7 @@
           <a:p>
             <a:fld id="{F0F50F8A-A77D-4BA2-92FD-675F9079B0FE}" type="datetimeFigureOut">
               <a:rPr lang="zh-CN" altLang="en-US" smtClean="0"/>
-              <a:t>2026/2/12</a:t>
+              <a:t>2026/2/20</a:t>
             </a:fld>
             <a:endParaRPr lang="zh-CN" altLang="en-US"/>
           </a:p>
@@ -669,7 +671,7 @@
           <a:p>
             <a:fld id="{F0F50F8A-A77D-4BA2-92FD-675F9079B0FE}" type="datetimeFigureOut">
               <a:rPr lang="zh-CN" altLang="en-US" smtClean="0"/>
-              <a:t>2026/2/12</a:t>
+              <a:t>2026/2/20</a:t>
             </a:fld>
             <a:endParaRPr lang="zh-CN" altLang="en-US"/>
           </a:p>
@@ -867,7 +869,7 @@
           <a:p>
             <a:fld id="{F0F50F8A-A77D-4BA2-92FD-675F9079B0FE}" type="datetimeFigureOut">
               <a:rPr lang="zh-CN" altLang="en-US" smtClean="0"/>
-              <a:t>2026/2/12</a:t>
+              <a:t>2026/2/20</a:t>
             </a:fld>
             <a:endParaRPr lang="zh-CN" altLang="en-US"/>
           </a:p>
@@ -1142,7 +1144,7 @@
           <a:p>
             <a:fld id="{F0F50F8A-A77D-4BA2-92FD-675F9079B0FE}" type="datetimeFigureOut">
               <a:rPr lang="zh-CN" altLang="en-US" smtClean="0"/>
-              <a:t>2026/2/12</a:t>
+              <a:t>2026/2/20</a:t>
             </a:fld>
             <a:endParaRPr lang="zh-CN" altLang="en-US"/>
           </a:p>
@@ -1407,7 +1409,7 @@
           <a:p>
             <a:fld id="{F0F50F8A-A77D-4BA2-92FD-675F9079B0FE}" type="datetimeFigureOut">
               <a:rPr lang="zh-CN" altLang="en-US" smtClean="0"/>
-              <a:t>2026/2/12</a:t>
+              <a:t>2026/2/20</a:t>
             </a:fld>
             <a:endParaRPr lang="zh-CN" altLang="en-US"/>
           </a:p>
@@ -1819,7 +1821,7 @@
           <a:p>
             <a:fld id="{F0F50F8A-A77D-4BA2-92FD-675F9079B0FE}" type="datetimeFigureOut">
               <a:rPr lang="zh-CN" altLang="en-US" smtClean="0"/>
-              <a:t>2026/2/12</a:t>
+              <a:t>2026/2/20</a:t>
             </a:fld>
             <a:endParaRPr lang="zh-CN" altLang="en-US"/>
           </a:p>
@@ -1960,7 +1962,7 @@
           <a:p>
             <a:fld id="{F0F50F8A-A77D-4BA2-92FD-675F9079B0FE}" type="datetimeFigureOut">
               <a:rPr lang="zh-CN" altLang="en-US" smtClean="0"/>
-              <a:t>2026/2/12</a:t>
+              <a:t>2026/2/20</a:t>
             </a:fld>
             <a:endParaRPr lang="zh-CN" altLang="en-US"/>
           </a:p>
@@ -2073,7 +2075,7 @@
           <a:p>
             <a:fld id="{F0F50F8A-A77D-4BA2-92FD-675F9079B0FE}" type="datetimeFigureOut">
               <a:rPr lang="zh-CN" altLang="en-US" smtClean="0"/>
-              <a:t>2026/2/12</a:t>
+              <a:t>2026/2/20</a:t>
             </a:fld>
             <a:endParaRPr lang="zh-CN" altLang="en-US"/>
           </a:p>
@@ -2384,7 +2386,7 @@
           <a:p>
             <a:fld id="{F0F50F8A-A77D-4BA2-92FD-675F9079B0FE}" type="datetimeFigureOut">
               <a:rPr lang="zh-CN" altLang="en-US" smtClean="0"/>
-              <a:t>2026/2/12</a:t>
+              <a:t>2026/2/20</a:t>
             </a:fld>
             <a:endParaRPr lang="zh-CN" altLang="en-US"/>
           </a:p>
@@ -2672,7 +2674,7 @@
           <a:p>
             <a:fld id="{F0F50F8A-A77D-4BA2-92FD-675F9079B0FE}" type="datetimeFigureOut">
               <a:rPr lang="zh-CN" altLang="en-US" smtClean="0"/>
-              <a:t>2026/2/12</a:t>
+              <a:t>2026/2/20</a:t>
             </a:fld>
             <a:endParaRPr lang="zh-CN" altLang="en-US"/>
           </a:p>
@@ -2913,7 +2915,7 @@
           <a:p>
             <a:fld id="{F0F50F8A-A77D-4BA2-92FD-675F9079B0FE}" type="datetimeFigureOut">
               <a:rPr lang="zh-CN" altLang="en-US" smtClean="0"/>
-              <a:t>2026/2/12</a:t>
+              <a:t>2026/2/20</a:t>
             </a:fld>
             <a:endParaRPr lang="zh-CN" altLang="en-US"/>
           </a:p>
@@ -5886,6 +5888,1458 @@
 </p:sld>
 </file>
 
+<file path=ppt/slides/slide6.xml><?xml version="1.0" encoding="utf-8"?>
+<p:sld xmlns:a="http://schemas.openxmlformats.org/drawingml/2006/main" xmlns:r="http://schemas.openxmlformats.org/officeDocument/2006/relationships" xmlns:p="http://schemas.openxmlformats.org/presentationml/2006/main">
+  <p:cSld>
+    <p:spTree>
+      <p:nvGrpSpPr>
+        <p:cNvPr id="1" name=""/>
+        <p:cNvGrpSpPr/>
+        <p:nvPr/>
+      </p:nvGrpSpPr>
+      <p:grpSpPr>
+        <a:xfrm>
+          <a:off x="0" y="0"/>
+          <a:ext cx="0" cy="0"/>
+          <a:chOff x="0" y="0"/>
+          <a:chExt cx="0" cy="0"/>
+        </a:xfrm>
+      </p:grpSpPr>
+      <p:sp>
+        <p:nvSpPr>
+          <p:cNvPr id="53" name="矩形: 圆角 52">
+            <a:extLst>
+              <a:ext uri="{FF2B5EF4-FFF2-40B4-BE49-F238E27FC236}">
+                <a16:creationId xmlns:a16="http://schemas.microsoft.com/office/drawing/2014/main" id="{DD9CBD46-3085-4993-96D1-91F0D7A627E8}"/>
+              </a:ext>
+            </a:extLst>
+          </p:cNvPr>
+          <p:cNvSpPr>
+            <a:spLocks noChangeAspect="1"/>
+          </p:cNvSpPr>
+          <p:nvPr/>
+        </p:nvSpPr>
+        <p:spPr>
+          <a:xfrm>
+            <a:off x="7009200" y="2764800"/>
+            <a:ext cx="2592000" cy="3459424"/>
+          </a:xfrm>
+          <a:prstGeom prst="roundRect">
+            <a:avLst/>
+          </a:prstGeom>
+          <a:solidFill>
+            <a:schemeClr val="tx1">
+              <a:alpha val="20000"/>
+            </a:schemeClr>
+          </a:solidFill>
+          <a:ln>
+            <a:noFill/>
+          </a:ln>
+          <a:effectLst>
+            <a:softEdge rad="63500"/>
+          </a:effectLst>
+          <a:scene3d>
+            <a:camera prst="orthographicFront">
+              <a:rot lat="0" lon="0" rev="20880000"/>
+            </a:camera>
+            <a:lightRig rig="threePt" dir="t"/>
+          </a:scene3d>
+        </p:spPr>
+        <p:style>
+          <a:lnRef idx="2">
+            <a:schemeClr val="accent1">
+              <a:shade val="50000"/>
+            </a:schemeClr>
+          </a:lnRef>
+          <a:fillRef idx="1">
+            <a:schemeClr val="accent1"/>
+          </a:fillRef>
+          <a:effectRef idx="0">
+            <a:schemeClr val="accent1"/>
+          </a:effectRef>
+          <a:fontRef idx="minor">
+            <a:schemeClr val="lt1"/>
+          </a:fontRef>
+        </p:style>
+        <p:txBody>
+          <a:bodyPr rtlCol="0" anchor="ctr"/>
+          <a:lstStyle/>
+          <a:p>
+            <a:pPr algn="ctr"/>
+            <a:endParaRPr lang="zh-CN" altLang="en-US"/>
+          </a:p>
+        </p:txBody>
+      </p:sp>
+      <p:sp>
+        <p:nvSpPr>
+          <p:cNvPr id="52" name="矩形: 圆角 51">
+            <a:extLst>
+              <a:ext uri="{FF2B5EF4-FFF2-40B4-BE49-F238E27FC236}">
+                <a16:creationId xmlns:a16="http://schemas.microsoft.com/office/drawing/2014/main" id="{966179C2-B3F3-450E-AC45-44D3D6AD2213}"/>
+              </a:ext>
+            </a:extLst>
+          </p:cNvPr>
+          <p:cNvSpPr>
+            <a:spLocks noChangeAspect="1"/>
+          </p:cNvSpPr>
+          <p:nvPr/>
+        </p:nvSpPr>
+        <p:spPr>
+          <a:xfrm>
+            <a:off x="2912400" y="2671200"/>
+            <a:ext cx="2592000" cy="3459424"/>
+          </a:xfrm>
+          <a:prstGeom prst="roundRect">
+            <a:avLst/>
+          </a:prstGeom>
+          <a:solidFill>
+            <a:schemeClr val="tx1">
+              <a:alpha val="20000"/>
+            </a:schemeClr>
+          </a:solidFill>
+          <a:ln>
+            <a:noFill/>
+          </a:ln>
+          <a:effectLst>
+            <a:softEdge rad="63500"/>
+          </a:effectLst>
+          <a:scene3d>
+            <a:camera prst="orthographicFront">
+              <a:rot lat="0" lon="0" rev="720000"/>
+            </a:camera>
+            <a:lightRig rig="threePt" dir="t"/>
+          </a:scene3d>
+        </p:spPr>
+        <p:style>
+          <a:lnRef idx="2">
+            <a:schemeClr val="accent1">
+              <a:shade val="50000"/>
+            </a:schemeClr>
+          </a:lnRef>
+          <a:fillRef idx="1">
+            <a:schemeClr val="accent1"/>
+          </a:fillRef>
+          <a:effectRef idx="0">
+            <a:schemeClr val="accent1"/>
+          </a:effectRef>
+          <a:fontRef idx="minor">
+            <a:schemeClr val="lt1"/>
+          </a:fontRef>
+        </p:style>
+        <p:txBody>
+          <a:bodyPr rtlCol="0" anchor="ctr"/>
+          <a:lstStyle/>
+          <a:p>
+            <a:pPr algn="ctr"/>
+            <a:endParaRPr lang="zh-CN" altLang="en-US"/>
+          </a:p>
+        </p:txBody>
+      </p:sp>
+      <p:sp>
+        <p:nvSpPr>
+          <p:cNvPr id="39" name="矩形: 圆角 38">
+            <a:extLst>
+              <a:ext uri="{FF2B5EF4-FFF2-40B4-BE49-F238E27FC236}">
+                <a16:creationId xmlns:a16="http://schemas.microsoft.com/office/drawing/2014/main" id="{1F1FCE38-5137-4B56-8764-C205B7A1ED8C}"/>
+              </a:ext>
+            </a:extLst>
+          </p:cNvPr>
+          <p:cNvSpPr>
+            <a:spLocks/>
+          </p:cNvSpPr>
+          <p:nvPr/>
+        </p:nvSpPr>
+        <p:spPr>
+          <a:xfrm>
+            <a:off x="6901200" y="2656800"/>
+            <a:ext cx="2520000" cy="3363329"/>
+          </a:xfrm>
+          <a:prstGeom prst="roundRect">
+            <a:avLst/>
+          </a:prstGeom>
+          <a:solidFill>
+            <a:srgbClr val="E5E7EB">
+              <a:alpha val="97255"/>
+            </a:srgbClr>
+          </a:solidFill>
+          <a:ln>
+            <a:solidFill>
+              <a:schemeClr val="accent1">
+                <a:shade val="50000"/>
+                <a:alpha val="92000"/>
+              </a:schemeClr>
+            </a:solidFill>
+          </a:ln>
+          <a:scene3d>
+            <a:camera prst="orthographicFront">
+              <a:rot lat="0" lon="0" rev="20880000"/>
+            </a:camera>
+            <a:lightRig rig="threePt" dir="t"/>
+          </a:scene3d>
+        </p:spPr>
+        <p:style>
+          <a:lnRef idx="2">
+            <a:schemeClr val="accent1">
+              <a:shade val="50000"/>
+            </a:schemeClr>
+          </a:lnRef>
+          <a:fillRef idx="1">
+            <a:schemeClr val="accent1"/>
+          </a:fillRef>
+          <a:effectRef idx="0">
+            <a:schemeClr val="accent1"/>
+          </a:effectRef>
+          <a:fontRef idx="minor">
+            <a:schemeClr val="lt1"/>
+          </a:fontRef>
+        </p:style>
+        <p:txBody>
+          <a:bodyPr rtlCol="0" anchor="ctr"/>
+          <a:lstStyle/>
+          <a:p>
+            <a:pPr algn="ctr"/>
+            <a:endParaRPr lang="zh-CN" altLang="en-US"/>
+          </a:p>
+        </p:txBody>
+      </p:sp>
+      <p:sp>
+        <p:nvSpPr>
+          <p:cNvPr id="40" name="矩形: 圆角 39">
+            <a:extLst>
+              <a:ext uri="{FF2B5EF4-FFF2-40B4-BE49-F238E27FC236}">
+                <a16:creationId xmlns:a16="http://schemas.microsoft.com/office/drawing/2014/main" id="{D2468715-957A-449C-8B08-A5070743643D}"/>
+              </a:ext>
+            </a:extLst>
+          </p:cNvPr>
+          <p:cNvSpPr>
+            <a:spLocks/>
+          </p:cNvSpPr>
+          <p:nvPr/>
+        </p:nvSpPr>
+        <p:spPr>
+          <a:xfrm>
+            <a:off x="6739986" y="2495183"/>
+            <a:ext cx="2520000" cy="3363329"/>
+          </a:xfrm>
+          <a:prstGeom prst="roundRect">
+            <a:avLst/>
+          </a:prstGeom>
+          <a:solidFill>
+            <a:schemeClr val="bg1"/>
+          </a:solidFill>
+          <a:ln w="12700">
+            <a:solidFill>
+              <a:schemeClr val="accent1">
+                <a:shade val="50000"/>
+              </a:schemeClr>
+            </a:solidFill>
+          </a:ln>
+          <a:scene3d>
+            <a:camera prst="orthographicFront">
+              <a:rot lat="0" lon="0" rev="20880000"/>
+            </a:camera>
+            <a:lightRig rig="threePt" dir="t"/>
+          </a:scene3d>
+        </p:spPr>
+        <p:style>
+          <a:lnRef idx="2">
+            <a:schemeClr val="accent1">
+              <a:shade val="50000"/>
+            </a:schemeClr>
+          </a:lnRef>
+          <a:fillRef idx="1">
+            <a:schemeClr val="accent1"/>
+          </a:fillRef>
+          <a:effectRef idx="0">
+            <a:schemeClr val="accent1"/>
+          </a:effectRef>
+          <a:fontRef idx="minor">
+            <a:schemeClr val="lt1"/>
+          </a:fontRef>
+        </p:style>
+        <p:txBody>
+          <a:bodyPr rtlCol="0" anchor="ctr"/>
+          <a:lstStyle/>
+          <a:p>
+            <a:pPr algn="ctr"/>
+            <a:endParaRPr lang="zh-CN" altLang="en-US"/>
+          </a:p>
+        </p:txBody>
+      </p:sp>
+      <p:pic>
+        <p:nvPicPr>
+          <p:cNvPr id="51" name="图形 50">
+            <a:extLst>
+              <a:ext uri="{FF2B5EF4-FFF2-40B4-BE49-F238E27FC236}">
+                <a16:creationId xmlns:a16="http://schemas.microsoft.com/office/drawing/2014/main" id="{B8A99321-9019-4909-90B4-B32AC007C7C7}"/>
+              </a:ext>
+            </a:extLst>
+          </p:cNvPr>
+          <p:cNvPicPr>
+            <a:picLocks noChangeAspect="1"/>
+          </p:cNvPicPr>
+          <p:nvPr/>
+        </p:nvPicPr>
+        <p:blipFill>
+          <a:blip r:embed="rId2">
+            <a:extLst>
+              <a:ext uri="{28A0092B-C50C-407E-A947-70E740481C1C}">
+                <a14:useLocalDpi xmlns:a14="http://schemas.microsoft.com/office/drawing/2010/main" val="0"/>
+              </a:ext>
+              <a:ext uri="{96DAC541-7B7A-43D3-8B79-37D633B846F1}">
+                <asvg:svgBlip xmlns:asvg="http://schemas.microsoft.com/office/drawing/2016/SVG/main" r:embed="rId3"/>
+              </a:ext>
+            </a:extLst>
+          </a:blip>
+          <a:srcRect/>
+          <a:stretch/>
+        </p:blipFill>
+        <p:spPr>
+          <a:xfrm>
+            <a:off x="6829536" y="2602455"/>
+            <a:ext cx="2340900" cy="3121200"/>
+          </a:xfrm>
+          <a:prstGeom prst="rect">
+            <a:avLst/>
+          </a:prstGeom>
+          <a:scene3d>
+            <a:camera prst="orthographicFront">
+              <a:rot lat="0" lon="0" rev="20880000"/>
+            </a:camera>
+            <a:lightRig rig="threePt" dir="t"/>
+          </a:scene3d>
+        </p:spPr>
+      </p:pic>
+      <p:sp>
+        <p:nvSpPr>
+          <p:cNvPr id="11" name="矩形: 圆角 10">
+            <a:extLst>
+              <a:ext uri="{FF2B5EF4-FFF2-40B4-BE49-F238E27FC236}">
+                <a16:creationId xmlns:a16="http://schemas.microsoft.com/office/drawing/2014/main" id="{2A957265-2714-4B5C-BDE0-A9CA01D716C1}"/>
+              </a:ext>
+            </a:extLst>
+          </p:cNvPr>
+          <p:cNvSpPr>
+            <a:spLocks noChangeAspect="1"/>
+          </p:cNvSpPr>
+          <p:nvPr/>
+        </p:nvSpPr>
+        <p:spPr>
+          <a:xfrm>
+            <a:off x="4939200" y="2581200"/>
+            <a:ext cx="2592000" cy="3459424"/>
+          </a:xfrm>
+          <a:prstGeom prst="roundRect">
+            <a:avLst/>
+          </a:prstGeom>
+          <a:solidFill>
+            <a:schemeClr val="tx1">
+              <a:alpha val="20000"/>
+            </a:schemeClr>
+          </a:solidFill>
+          <a:ln>
+            <a:noFill/>
+          </a:ln>
+          <a:effectLst>
+            <a:softEdge rad="63500"/>
+          </a:effectLst>
+        </p:spPr>
+        <p:style>
+          <a:lnRef idx="2">
+            <a:schemeClr val="accent1">
+              <a:shade val="50000"/>
+            </a:schemeClr>
+          </a:lnRef>
+          <a:fillRef idx="1">
+            <a:schemeClr val="accent1"/>
+          </a:fillRef>
+          <a:effectRef idx="0">
+            <a:schemeClr val="accent1"/>
+          </a:effectRef>
+          <a:fontRef idx="minor">
+            <a:schemeClr val="lt1"/>
+          </a:fontRef>
+        </p:style>
+        <p:txBody>
+          <a:bodyPr rtlCol="0" anchor="ctr"/>
+          <a:lstStyle/>
+          <a:p>
+            <a:pPr algn="ctr"/>
+            <a:endParaRPr lang="zh-CN" altLang="en-US"/>
+          </a:p>
+        </p:txBody>
+      </p:sp>
+      <p:sp>
+        <p:nvSpPr>
+          <p:cNvPr id="43" name="矩形: 圆角 42">
+            <a:extLst>
+              <a:ext uri="{FF2B5EF4-FFF2-40B4-BE49-F238E27FC236}">
+                <a16:creationId xmlns:a16="http://schemas.microsoft.com/office/drawing/2014/main" id="{37545ED8-C09E-49AF-BB61-B5D0C3823BB0}"/>
+              </a:ext>
+            </a:extLst>
+          </p:cNvPr>
+          <p:cNvSpPr>
+            <a:spLocks/>
+          </p:cNvSpPr>
+          <p:nvPr/>
+        </p:nvSpPr>
+        <p:spPr>
+          <a:xfrm>
+            <a:off x="2822400" y="2581200"/>
+            <a:ext cx="2520000" cy="3363329"/>
+          </a:xfrm>
+          <a:prstGeom prst="roundRect">
+            <a:avLst/>
+          </a:prstGeom>
+          <a:solidFill>
+            <a:srgbClr val="FA8C16">
+              <a:alpha val="97255"/>
+            </a:srgbClr>
+          </a:solidFill>
+          <a:ln>
+            <a:solidFill>
+              <a:schemeClr val="accent1">
+                <a:shade val="50000"/>
+                <a:alpha val="92000"/>
+              </a:schemeClr>
+            </a:solidFill>
+          </a:ln>
+          <a:scene3d>
+            <a:camera prst="orthographicFront">
+              <a:rot lat="0" lon="0" rev="720000"/>
+            </a:camera>
+            <a:lightRig rig="threePt" dir="t"/>
+          </a:scene3d>
+        </p:spPr>
+        <p:style>
+          <a:lnRef idx="2">
+            <a:schemeClr val="accent1">
+              <a:shade val="50000"/>
+            </a:schemeClr>
+          </a:lnRef>
+          <a:fillRef idx="1">
+            <a:schemeClr val="accent1"/>
+          </a:fillRef>
+          <a:effectRef idx="0">
+            <a:schemeClr val="accent1"/>
+          </a:effectRef>
+          <a:fontRef idx="minor">
+            <a:schemeClr val="lt1"/>
+          </a:fontRef>
+        </p:style>
+        <p:txBody>
+          <a:bodyPr rtlCol="0" anchor="ctr"/>
+          <a:lstStyle/>
+          <a:p>
+            <a:pPr algn="ctr"/>
+            <a:endParaRPr lang="zh-CN" altLang="en-US"/>
+          </a:p>
+        </p:txBody>
+      </p:sp>
+      <p:sp>
+        <p:nvSpPr>
+          <p:cNvPr id="44" name="矩形: 圆角 43">
+            <a:extLst>
+              <a:ext uri="{FF2B5EF4-FFF2-40B4-BE49-F238E27FC236}">
+                <a16:creationId xmlns:a16="http://schemas.microsoft.com/office/drawing/2014/main" id="{BE477AD2-13CB-427C-815D-2193E0D13616}"/>
+              </a:ext>
+            </a:extLst>
+          </p:cNvPr>
+          <p:cNvSpPr>
+            <a:spLocks/>
+          </p:cNvSpPr>
+          <p:nvPr/>
+        </p:nvSpPr>
+        <p:spPr>
+          <a:xfrm>
+            <a:off x="2661543" y="2419483"/>
+            <a:ext cx="2520000" cy="3363329"/>
+          </a:xfrm>
+          <a:prstGeom prst="roundRect">
+            <a:avLst/>
+          </a:prstGeom>
+          <a:solidFill>
+            <a:schemeClr val="bg1"/>
+          </a:solidFill>
+          <a:ln w="12700">
+            <a:solidFill>
+              <a:schemeClr val="accent1">
+                <a:shade val="50000"/>
+              </a:schemeClr>
+            </a:solidFill>
+          </a:ln>
+          <a:scene3d>
+            <a:camera prst="orthographicFront">
+              <a:rot lat="0" lon="0" rev="720000"/>
+            </a:camera>
+            <a:lightRig rig="threePt" dir="t"/>
+          </a:scene3d>
+        </p:spPr>
+        <p:style>
+          <a:lnRef idx="2">
+            <a:schemeClr val="accent1">
+              <a:shade val="50000"/>
+            </a:schemeClr>
+          </a:lnRef>
+          <a:fillRef idx="1">
+            <a:schemeClr val="accent1"/>
+          </a:fillRef>
+          <a:effectRef idx="0">
+            <a:schemeClr val="accent1"/>
+          </a:effectRef>
+          <a:fontRef idx="minor">
+            <a:schemeClr val="lt1"/>
+          </a:fontRef>
+        </p:style>
+        <p:txBody>
+          <a:bodyPr rtlCol="0" anchor="ctr"/>
+          <a:lstStyle/>
+          <a:p>
+            <a:pPr algn="ctr"/>
+            <a:endParaRPr lang="zh-CN" altLang="en-US"/>
+          </a:p>
+        </p:txBody>
+      </p:sp>
+      <p:pic>
+        <p:nvPicPr>
+          <p:cNvPr id="45" name="内容占位符 7">
+            <a:extLst>
+              <a:ext uri="{FF2B5EF4-FFF2-40B4-BE49-F238E27FC236}">
+                <a16:creationId xmlns:a16="http://schemas.microsoft.com/office/drawing/2014/main" id="{700B46AB-8C82-4C89-B6C0-5139C9529E18}"/>
+              </a:ext>
+            </a:extLst>
+          </p:cNvPr>
+          <p:cNvPicPr>
+            <a:picLocks noChangeAspect="1"/>
+          </p:cNvPicPr>
+          <p:nvPr/>
+        </p:nvPicPr>
+        <p:blipFill>
+          <a:blip r:embed="rId4">
+            <a:extLst>
+              <a:ext uri="{28A0092B-C50C-407E-A947-70E740481C1C}">
+                <a14:useLocalDpi xmlns:a14="http://schemas.microsoft.com/office/drawing/2010/main" val="0"/>
+              </a:ext>
+              <a:ext uri="{96DAC541-7B7A-43D3-8B79-37D633B846F1}">
+                <asvg:svgBlip xmlns:asvg="http://schemas.microsoft.com/office/drawing/2016/SVG/main" r:embed="rId5"/>
+              </a:ext>
+            </a:extLst>
+          </a:blip>
+          <a:srcRect/>
+          <a:stretch/>
+        </p:blipFill>
+        <p:spPr>
+          <a:xfrm>
+            <a:off x="2751543" y="2503725"/>
+            <a:ext cx="2340000" cy="3120000"/>
+          </a:xfrm>
+          <a:prstGeom prst="rect">
+            <a:avLst/>
+          </a:prstGeom>
+          <a:scene3d>
+            <a:camera prst="orthographicFront">
+              <a:rot lat="0" lon="0" rev="720000"/>
+            </a:camera>
+            <a:lightRig rig="threePt" dir="t"/>
+          </a:scene3d>
+        </p:spPr>
+      </p:pic>
+      <p:sp>
+        <p:nvSpPr>
+          <p:cNvPr id="9" name="矩形: 圆角 8">
+            <a:extLst>
+              <a:ext uri="{FF2B5EF4-FFF2-40B4-BE49-F238E27FC236}">
+                <a16:creationId xmlns:a16="http://schemas.microsoft.com/office/drawing/2014/main" id="{27C70BBC-2285-4C5D-A6C9-140641A47639}"/>
+              </a:ext>
+            </a:extLst>
+          </p:cNvPr>
+          <p:cNvSpPr>
+            <a:spLocks/>
+          </p:cNvSpPr>
+          <p:nvPr/>
+        </p:nvSpPr>
+        <p:spPr>
+          <a:xfrm>
+            <a:off x="4831200" y="2491200"/>
+            <a:ext cx="2520000" cy="3363329"/>
+          </a:xfrm>
+          <a:prstGeom prst="roundRect">
+            <a:avLst/>
+          </a:prstGeom>
+          <a:solidFill>
+            <a:srgbClr val="1677FF">
+              <a:alpha val="97255"/>
+            </a:srgbClr>
+          </a:solidFill>
+          <a:ln>
+            <a:solidFill>
+              <a:schemeClr val="accent1">
+                <a:shade val="50000"/>
+                <a:alpha val="92000"/>
+              </a:schemeClr>
+            </a:solidFill>
+          </a:ln>
+        </p:spPr>
+        <p:style>
+          <a:lnRef idx="2">
+            <a:schemeClr val="accent1">
+              <a:shade val="50000"/>
+            </a:schemeClr>
+          </a:lnRef>
+          <a:fillRef idx="1">
+            <a:schemeClr val="accent1"/>
+          </a:fillRef>
+          <a:effectRef idx="0">
+            <a:schemeClr val="accent1"/>
+          </a:effectRef>
+          <a:fontRef idx="minor">
+            <a:schemeClr val="lt1"/>
+          </a:fontRef>
+        </p:style>
+        <p:txBody>
+          <a:bodyPr rtlCol="0" anchor="ctr"/>
+          <a:lstStyle/>
+          <a:p>
+            <a:pPr algn="ctr"/>
+            <a:endParaRPr lang="zh-CN" altLang="en-US"/>
+          </a:p>
+        </p:txBody>
+      </p:sp>
+      <p:sp>
+        <p:nvSpPr>
+          <p:cNvPr id="6" name="矩形: 圆角 5">
+            <a:extLst>
+              <a:ext uri="{FF2B5EF4-FFF2-40B4-BE49-F238E27FC236}">
+                <a16:creationId xmlns:a16="http://schemas.microsoft.com/office/drawing/2014/main" id="{ADF9BF9C-1391-4DA4-AA2D-F47E089C8551}"/>
+              </a:ext>
+            </a:extLst>
+          </p:cNvPr>
+          <p:cNvSpPr>
+            <a:spLocks/>
+          </p:cNvSpPr>
+          <p:nvPr/>
+        </p:nvSpPr>
+        <p:spPr>
+          <a:xfrm>
+            <a:off x="4651147" y="2312211"/>
+            <a:ext cx="2520000" cy="3363329"/>
+          </a:xfrm>
+          <a:prstGeom prst="roundRect">
+            <a:avLst/>
+          </a:prstGeom>
+          <a:solidFill>
+            <a:schemeClr val="bg1"/>
+          </a:solidFill>
+          <a:ln w="12700">
+            <a:solidFill>
+              <a:schemeClr val="accent1">
+                <a:shade val="50000"/>
+              </a:schemeClr>
+            </a:solidFill>
+          </a:ln>
+        </p:spPr>
+        <p:style>
+          <a:lnRef idx="2">
+            <a:schemeClr val="accent1">
+              <a:shade val="50000"/>
+            </a:schemeClr>
+          </a:lnRef>
+          <a:fillRef idx="1">
+            <a:schemeClr val="accent1"/>
+          </a:fillRef>
+          <a:effectRef idx="0">
+            <a:schemeClr val="accent1"/>
+          </a:effectRef>
+          <a:fontRef idx="minor">
+            <a:schemeClr val="lt1"/>
+          </a:fontRef>
+        </p:style>
+        <p:txBody>
+          <a:bodyPr rtlCol="0" anchor="ctr"/>
+          <a:lstStyle/>
+          <a:p>
+            <a:pPr algn="ctr"/>
+            <a:endParaRPr lang="zh-CN" altLang="en-US"/>
+          </a:p>
+        </p:txBody>
+      </p:sp>
+      <p:pic>
+        <p:nvPicPr>
+          <p:cNvPr id="47" name="图形 46">
+            <a:extLst>
+              <a:ext uri="{FF2B5EF4-FFF2-40B4-BE49-F238E27FC236}">
+                <a16:creationId xmlns:a16="http://schemas.microsoft.com/office/drawing/2014/main" id="{AB9DC7B6-1305-4372-AB0D-4169CC334538}"/>
+              </a:ext>
+            </a:extLst>
+          </p:cNvPr>
+          <p:cNvPicPr>
+            <a:picLocks noChangeAspect="1"/>
+          </p:cNvPicPr>
+          <p:nvPr/>
+        </p:nvPicPr>
+        <p:blipFill>
+          <a:blip r:embed="rId6">
+            <a:extLst>
+              <a:ext uri="{28A0092B-C50C-407E-A947-70E740481C1C}">
+                <a14:useLocalDpi xmlns:a14="http://schemas.microsoft.com/office/drawing/2010/main" val="0"/>
+              </a:ext>
+              <a:ext uri="{96DAC541-7B7A-43D3-8B79-37D633B846F1}">
+                <asvg:svgBlip xmlns:asvg="http://schemas.microsoft.com/office/drawing/2016/SVG/main" r:embed="rId7"/>
+              </a:ext>
+            </a:extLst>
+          </a:blip>
+          <a:srcRect/>
+          <a:stretch/>
+        </p:blipFill>
+        <p:spPr>
+          <a:xfrm>
+            <a:off x="4740697" y="2419483"/>
+            <a:ext cx="2340900" cy="3121200"/>
+          </a:xfrm>
+          <a:prstGeom prst="rect">
+            <a:avLst/>
+          </a:prstGeom>
+        </p:spPr>
+      </p:pic>
+    </p:spTree>
+    <p:extLst>
+      <p:ext uri="{BB962C8B-B14F-4D97-AF65-F5344CB8AC3E}">
+        <p14:creationId xmlns:p14="http://schemas.microsoft.com/office/powerpoint/2010/main" val="762792054"/>
+      </p:ext>
+    </p:extLst>
+  </p:cSld>
+  <p:clrMapOvr>
+    <a:masterClrMapping/>
+  </p:clrMapOvr>
+</p:sld>
+</file>
+
+<file path=ppt/slides/slide7.xml><?xml version="1.0" encoding="utf-8"?>
+<p:sld xmlns:a="http://schemas.openxmlformats.org/drawingml/2006/main" xmlns:r="http://schemas.openxmlformats.org/officeDocument/2006/relationships" xmlns:p="http://schemas.openxmlformats.org/presentationml/2006/main">
+  <p:cSld>
+    <p:spTree>
+      <p:nvGrpSpPr>
+        <p:cNvPr id="1" name=""/>
+        <p:cNvGrpSpPr/>
+        <p:nvPr/>
+      </p:nvGrpSpPr>
+      <p:grpSpPr>
+        <a:xfrm>
+          <a:off x="0" y="0"/>
+          <a:ext cx="0" cy="0"/>
+          <a:chOff x="0" y="0"/>
+          <a:chExt cx="0" cy="0"/>
+        </a:xfrm>
+      </p:grpSpPr>
+      <p:sp>
+        <p:nvSpPr>
+          <p:cNvPr id="53" name="矩形: 圆角 52">
+            <a:extLst>
+              <a:ext uri="{FF2B5EF4-FFF2-40B4-BE49-F238E27FC236}">
+                <a16:creationId xmlns:a16="http://schemas.microsoft.com/office/drawing/2014/main" id="{DD9CBD46-3085-4993-96D1-91F0D7A627E8}"/>
+              </a:ext>
+            </a:extLst>
+          </p:cNvPr>
+          <p:cNvSpPr>
+            <a:spLocks noChangeAspect="1"/>
+          </p:cNvSpPr>
+          <p:nvPr/>
+        </p:nvSpPr>
+        <p:spPr>
+          <a:xfrm>
+            <a:off x="7009200" y="2764800"/>
+            <a:ext cx="2592000" cy="3459424"/>
+          </a:xfrm>
+          <a:prstGeom prst="roundRect">
+            <a:avLst/>
+          </a:prstGeom>
+          <a:solidFill>
+            <a:schemeClr val="tx1">
+              <a:alpha val="20000"/>
+            </a:schemeClr>
+          </a:solidFill>
+          <a:ln>
+            <a:noFill/>
+          </a:ln>
+          <a:effectLst>
+            <a:softEdge rad="63500"/>
+          </a:effectLst>
+          <a:scene3d>
+            <a:camera prst="orthographicFront">
+              <a:rot lat="0" lon="0" rev="20880000"/>
+            </a:camera>
+            <a:lightRig rig="threePt" dir="t"/>
+          </a:scene3d>
+        </p:spPr>
+        <p:style>
+          <a:lnRef idx="2">
+            <a:schemeClr val="accent1">
+              <a:shade val="50000"/>
+            </a:schemeClr>
+          </a:lnRef>
+          <a:fillRef idx="1">
+            <a:schemeClr val="accent1"/>
+          </a:fillRef>
+          <a:effectRef idx="0">
+            <a:schemeClr val="accent1"/>
+          </a:effectRef>
+          <a:fontRef idx="minor">
+            <a:schemeClr val="lt1"/>
+          </a:fontRef>
+        </p:style>
+        <p:txBody>
+          <a:bodyPr rtlCol="0" anchor="ctr"/>
+          <a:lstStyle/>
+          <a:p>
+            <a:pPr algn="ctr"/>
+            <a:endParaRPr lang="zh-CN" altLang="en-US"/>
+          </a:p>
+        </p:txBody>
+      </p:sp>
+      <p:sp>
+        <p:nvSpPr>
+          <p:cNvPr id="52" name="矩形: 圆角 51">
+            <a:extLst>
+              <a:ext uri="{FF2B5EF4-FFF2-40B4-BE49-F238E27FC236}">
+                <a16:creationId xmlns:a16="http://schemas.microsoft.com/office/drawing/2014/main" id="{966179C2-B3F3-450E-AC45-44D3D6AD2213}"/>
+              </a:ext>
+            </a:extLst>
+          </p:cNvPr>
+          <p:cNvSpPr>
+            <a:spLocks noChangeAspect="1"/>
+          </p:cNvSpPr>
+          <p:nvPr/>
+        </p:nvSpPr>
+        <p:spPr>
+          <a:xfrm>
+            <a:off x="2912400" y="2671200"/>
+            <a:ext cx="2592000" cy="3459424"/>
+          </a:xfrm>
+          <a:prstGeom prst="roundRect">
+            <a:avLst/>
+          </a:prstGeom>
+          <a:solidFill>
+            <a:schemeClr val="tx1">
+              <a:alpha val="20000"/>
+            </a:schemeClr>
+          </a:solidFill>
+          <a:ln>
+            <a:noFill/>
+          </a:ln>
+          <a:effectLst>
+            <a:softEdge rad="63500"/>
+          </a:effectLst>
+          <a:scene3d>
+            <a:camera prst="orthographicFront">
+              <a:rot lat="0" lon="0" rev="720000"/>
+            </a:camera>
+            <a:lightRig rig="threePt" dir="t"/>
+          </a:scene3d>
+        </p:spPr>
+        <p:style>
+          <a:lnRef idx="2">
+            <a:schemeClr val="accent1">
+              <a:shade val="50000"/>
+            </a:schemeClr>
+          </a:lnRef>
+          <a:fillRef idx="1">
+            <a:schemeClr val="accent1"/>
+          </a:fillRef>
+          <a:effectRef idx="0">
+            <a:schemeClr val="accent1"/>
+          </a:effectRef>
+          <a:fontRef idx="minor">
+            <a:schemeClr val="lt1"/>
+          </a:fontRef>
+        </p:style>
+        <p:txBody>
+          <a:bodyPr rtlCol="0" anchor="ctr"/>
+          <a:lstStyle/>
+          <a:p>
+            <a:pPr algn="ctr"/>
+            <a:endParaRPr lang="zh-CN" altLang="en-US"/>
+          </a:p>
+        </p:txBody>
+      </p:sp>
+      <p:sp>
+        <p:nvSpPr>
+          <p:cNvPr id="39" name="矩形: 圆角 38">
+            <a:extLst>
+              <a:ext uri="{FF2B5EF4-FFF2-40B4-BE49-F238E27FC236}">
+                <a16:creationId xmlns:a16="http://schemas.microsoft.com/office/drawing/2014/main" id="{1F1FCE38-5137-4B56-8764-C205B7A1ED8C}"/>
+              </a:ext>
+            </a:extLst>
+          </p:cNvPr>
+          <p:cNvSpPr>
+            <a:spLocks/>
+          </p:cNvSpPr>
+          <p:nvPr/>
+        </p:nvSpPr>
+        <p:spPr>
+          <a:xfrm>
+            <a:off x="6901200" y="2656800"/>
+            <a:ext cx="2520000" cy="3363329"/>
+          </a:xfrm>
+          <a:prstGeom prst="roundRect">
+            <a:avLst/>
+          </a:prstGeom>
+          <a:solidFill>
+            <a:srgbClr val="E5E7EB">
+              <a:alpha val="97255"/>
+            </a:srgbClr>
+          </a:solidFill>
+          <a:ln>
+            <a:solidFill>
+              <a:schemeClr val="accent1">
+                <a:shade val="50000"/>
+                <a:alpha val="92000"/>
+              </a:schemeClr>
+            </a:solidFill>
+          </a:ln>
+          <a:scene3d>
+            <a:camera prst="orthographicFront">
+              <a:rot lat="0" lon="0" rev="20880000"/>
+            </a:camera>
+            <a:lightRig rig="threePt" dir="t"/>
+          </a:scene3d>
+        </p:spPr>
+        <p:style>
+          <a:lnRef idx="2">
+            <a:schemeClr val="accent1">
+              <a:shade val="50000"/>
+            </a:schemeClr>
+          </a:lnRef>
+          <a:fillRef idx="1">
+            <a:schemeClr val="accent1"/>
+          </a:fillRef>
+          <a:effectRef idx="0">
+            <a:schemeClr val="accent1"/>
+          </a:effectRef>
+          <a:fontRef idx="minor">
+            <a:schemeClr val="lt1"/>
+          </a:fontRef>
+        </p:style>
+        <p:txBody>
+          <a:bodyPr rtlCol="0" anchor="ctr"/>
+          <a:lstStyle/>
+          <a:p>
+            <a:pPr algn="ctr"/>
+            <a:endParaRPr lang="zh-CN" altLang="en-US"/>
+          </a:p>
+        </p:txBody>
+      </p:sp>
+      <p:sp>
+        <p:nvSpPr>
+          <p:cNvPr id="40" name="矩形: 圆角 39">
+            <a:extLst>
+              <a:ext uri="{FF2B5EF4-FFF2-40B4-BE49-F238E27FC236}">
+                <a16:creationId xmlns:a16="http://schemas.microsoft.com/office/drawing/2014/main" id="{D2468715-957A-449C-8B08-A5070743643D}"/>
+              </a:ext>
+            </a:extLst>
+          </p:cNvPr>
+          <p:cNvSpPr>
+            <a:spLocks/>
+          </p:cNvSpPr>
+          <p:nvPr/>
+        </p:nvSpPr>
+        <p:spPr>
+          <a:xfrm>
+            <a:off x="6739986" y="2495183"/>
+            <a:ext cx="2520000" cy="3363329"/>
+          </a:xfrm>
+          <a:prstGeom prst="roundRect">
+            <a:avLst/>
+          </a:prstGeom>
+          <a:solidFill>
+            <a:srgbClr val="111827"/>
+          </a:solidFill>
+          <a:ln w="12700">
+            <a:solidFill>
+              <a:schemeClr val="accent1">
+                <a:shade val="50000"/>
+              </a:schemeClr>
+            </a:solidFill>
+          </a:ln>
+          <a:scene3d>
+            <a:camera prst="orthographicFront">
+              <a:rot lat="0" lon="0" rev="20880000"/>
+            </a:camera>
+            <a:lightRig rig="threePt" dir="t"/>
+          </a:scene3d>
+        </p:spPr>
+        <p:style>
+          <a:lnRef idx="2">
+            <a:schemeClr val="accent1">
+              <a:shade val="50000"/>
+            </a:schemeClr>
+          </a:lnRef>
+          <a:fillRef idx="1">
+            <a:schemeClr val="accent1"/>
+          </a:fillRef>
+          <a:effectRef idx="0">
+            <a:schemeClr val="accent1"/>
+          </a:effectRef>
+          <a:fontRef idx="minor">
+            <a:schemeClr val="lt1"/>
+          </a:fontRef>
+        </p:style>
+        <p:txBody>
+          <a:bodyPr rtlCol="0" anchor="ctr"/>
+          <a:lstStyle/>
+          <a:p>
+            <a:pPr algn="ctr"/>
+            <a:endParaRPr lang="zh-CN" altLang="en-US"/>
+          </a:p>
+        </p:txBody>
+      </p:sp>
+      <p:sp>
+        <p:nvSpPr>
+          <p:cNvPr id="11" name="矩形: 圆角 10">
+            <a:extLst>
+              <a:ext uri="{FF2B5EF4-FFF2-40B4-BE49-F238E27FC236}">
+                <a16:creationId xmlns:a16="http://schemas.microsoft.com/office/drawing/2014/main" id="{2A957265-2714-4B5C-BDE0-A9CA01D716C1}"/>
+              </a:ext>
+            </a:extLst>
+          </p:cNvPr>
+          <p:cNvSpPr>
+            <a:spLocks noChangeAspect="1"/>
+          </p:cNvSpPr>
+          <p:nvPr/>
+        </p:nvSpPr>
+        <p:spPr>
+          <a:xfrm>
+            <a:off x="4939200" y="2581200"/>
+            <a:ext cx="2592000" cy="3459424"/>
+          </a:xfrm>
+          <a:prstGeom prst="roundRect">
+            <a:avLst/>
+          </a:prstGeom>
+          <a:solidFill>
+            <a:schemeClr val="tx1">
+              <a:alpha val="20000"/>
+            </a:schemeClr>
+          </a:solidFill>
+          <a:ln>
+            <a:noFill/>
+          </a:ln>
+          <a:effectLst>
+            <a:softEdge rad="63500"/>
+          </a:effectLst>
+        </p:spPr>
+        <p:style>
+          <a:lnRef idx="2">
+            <a:schemeClr val="accent1">
+              <a:shade val="50000"/>
+            </a:schemeClr>
+          </a:lnRef>
+          <a:fillRef idx="1">
+            <a:schemeClr val="accent1"/>
+          </a:fillRef>
+          <a:effectRef idx="0">
+            <a:schemeClr val="accent1"/>
+          </a:effectRef>
+          <a:fontRef idx="minor">
+            <a:schemeClr val="lt1"/>
+          </a:fontRef>
+        </p:style>
+        <p:txBody>
+          <a:bodyPr rtlCol="0" anchor="ctr"/>
+          <a:lstStyle/>
+          <a:p>
+            <a:pPr algn="ctr"/>
+            <a:endParaRPr lang="zh-CN" altLang="en-US"/>
+          </a:p>
+        </p:txBody>
+      </p:sp>
+      <p:pic>
+        <p:nvPicPr>
+          <p:cNvPr id="8" name="图形 7">
+            <a:extLst>
+              <a:ext uri="{FF2B5EF4-FFF2-40B4-BE49-F238E27FC236}">
+                <a16:creationId xmlns:a16="http://schemas.microsoft.com/office/drawing/2014/main" id="{B70C8581-9DEC-4C98-A9F9-9C7BFF35F211}"/>
+              </a:ext>
+            </a:extLst>
+          </p:cNvPr>
+          <p:cNvPicPr>
+            <a:picLocks noChangeAspect="1"/>
+          </p:cNvPicPr>
+          <p:nvPr/>
+        </p:nvPicPr>
+        <p:blipFill>
+          <a:blip r:embed="rId2">
+            <a:extLst>
+              <a:ext uri="{28A0092B-C50C-407E-A947-70E740481C1C}">
+                <a14:useLocalDpi xmlns:a14="http://schemas.microsoft.com/office/drawing/2010/main" val="0"/>
+              </a:ext>
+              <a:ext uri="{96DAC541-7B7A-43D3-8B79-37D633B846F1}">
+                <asvg:svgBlip xmlns:asvg="http://schemas.microsoft.com/office/drawing/2016/SVG/main" r:embed="rId3"/>
+              </a:ext>
+            </a:extLst>
+          </a:blip>
+          <a:srcRect/>
+          <a:stretch/>
+        </p:blipFill>
+        <p:spPr>
+          <a:xfrm>
+            <a:off x="6829200" y="2602800"/>
+            <a:ext cx="2340000" cy="3120000"/>
+          </a:xfrm>
+          <a:prstGeom prst="rect">
+            <a:avLst/>
+          </a:prstGeom>
+          <a:scene3d>
+            <a:camera prst="orthographicFront">
+              <a:rot lat="0" lon="0" rev="20880000"/>
+            </a:camera>
+            <a:lightRig rig="threePt" dir="t"/>
+          </a:scene3d>
+        </p:spPr>
+      </p:pic>
+      <p:sp>
+        <p:nvSpPr>
+          <p:cNvPr id="43" name="矩形: 圆角 42">
+            <a:extLst>
+              <a:ext uri="{FF2B5EF4-FFF2-40B4-BE49-F238E27FC236}">
+                <a16:creationId xmlns:a16="http://schemas.microsoft.com/office/drawing/2014/main" id="{37545ED8-C09E-49AF-BB61-B5D0C3823BB0}"/>
+              </a:ext>
+            </a:extLst>
+          </p:cNvPr>
+          <p:cNvSpPr>
+            <a:spLocks/>
+          </p:cNvSpPr>
+          <p:nvPr/>
+        </p:nvSpPr>
+        <p:spPr>
+          <a:xfrm>
+            <a:off x="2822400" y="2581200"/>
+            <a:ext cx="2520000" cy="3363329"/>
+          </a:xfrm>
+          <a:prstGeom prst="roundRect">
+            <a:avLst/>
+          </a:prstGeom>
+          <a:solidFill>
+            <a:srgbClr val="FA8C16">
+              <a:alpha val="97255"/>
+            </a:srgbClr>
+          </a:solidFill>
+          <a:ln>
+            <a:solidFill>
+              <a:schemeClr val="accent1">
+                <a:shade val="50000"/>
+                <a:alpha val="92000"/>
+              </a:schemeClr>
+            </a:solidFill>
+          </a:ln>
+          <a:scene3d>
+            <a:camera prst="orthographicFront">
+              <a:rot lat="0" lon="0" rev="720000"/>
+            </a:camera>
+            <a:lightRig rig="threePt" dir="t"/>
+          </a:scene3d>
+        </p:spPr>
+        <p:style>
+          <a:lnRef idx="2">
+            <a:schemeClr val="accent1">
+              <a:shade val="50000"/>
+            </a:schemeClr>
+          </a:lnRef>
+          <a:fillRef idx="1">
+            <a:schemeClr val="accent1"/>
+          </a:fillRef>
+          <a:effectRef idx="0">
+            <a:schemeClr val="accent1"/>
+          </a:effectRef>
+          <a:fontRef idx="minor">
+            <a:schemeClr val="lt1"/>
+          </a:fontRef>
+        </p:style>
+        <p:txBody>
+          <a:bodyPr rtlCol="0" anchor="ctr"/>
+          <a:lstStyle/>
+          <a:p>
+            <a:pPr algn="ctr"/>
+            <a:endParaRPr lang="zh-CN" altLang="en-US"/>
+          </a:p>
+        </p:txBody>
+      </p:sp>
+      <p:sp>
+        <p:nvSpPr>
+          <p:cNvPr id="44" name="矩形: 圆角 43">
+            <a:extLst>
+              <a:ext uri="{FF2B5EF4-FFF2-40B4-BE49-F238E27FC236}">
+                <a16:creationId xmlns:a16="http://schemas.microsoft.com/office/drawing/2014/main" id="{BE477AD2-13CB-427C-815D-2193E0D13616}"/>
+              </a:ext>
+            </a:extLst>
+          </p:cNvPr>
+          <p:cNvSpPr>
+            <a:spLocks/>
+          </p:cNvSpPr>
+          <p:nvPr/>
+        </p:nvSpPr>
+        <p:spPr>
+          <a:xfrm>
+            <a:off x="2661543" y="2419483"/>
+            <a:ext cx="2520000" cy="3363329"/>
+          </a:xfrm>
+          <a:prstGeom prst="roundRect">
+            <a:avLst/>
+          </a:prstGeom>
+          <a:solidFill>
+            <a:srgbClr val="111827"/>
+          </a:solidFill>
+          <a:ln w="12700">
+            <a:solidFill>
+              <a:schemeClr val="accent1">
+                <a:shade val="50000"/>
+              </a:schemeClr>
+            </a:solidFill>
+          </a:ln>
+          <a:scene3d>
+            <a:camera prst="orthographicFront">
+              <a:rot lat="0" lon="0" rev="720000"/>
+            </a:camera>
+            <a:lightRig rig="threePt" dir="t"/>
+          </a:scene3d>
+        </p:spPr>
+        <p:style>
+          <a:lnRef idx="2">
+            <a:schemeClr val="accent1">
+              <a:shade val="50000"/>
+            </a:schemeClr>
+          </a:lnRef>
+          <a:fillRef idx="1">
+            <a:schemeClr val="accent1"/>
+          </a:fillRef>
+          <a:effectRef idx="0">
+            <a:schemeClr val="accent1"/>
+          </a:effectRef>
+          <a:fontRef idx="minor">
+            <a:schemeClr val="lt1"/>
+          </a:fontRef>
+        </p:style>
+        <p:txBody>
+          <a:bodyPr rtlCol="0" anchor="ctr"/>
+          <a:lstStyle/>
+          <a:p>
+            <a:pPr algn="ctr"/>
+            <a:endParaRPr lang="zh-CN" altLang="en-US"/>
+          </a:p>
+        </p:txBody>
+      </p:sp>
+      <p:pic>
+        <p:nvPicPr>
+          <p:cNvPr id="3" name="图形 2">
+            <a:extLst>
+              <a:ext uri="{FF2B5EF4-FFF2-40B4-BE49-F238E27FC236}">
+                <a16:creationId xmlns:a16="http://schemas.microsoft.com/office/drawing/2014/main" id="{9327ED66-F666-4FE8-800D-7CE1FF3F36AC}"/>
+              </a:ext>
+            </a:extLst>
+          </p:cNvPr>
+          <p:cNvPicPr>
+            <a:picLocks noChangeAspect="1"/>
+          </p:cNvPicPr>
+          <p:nvPr/>
+        </p:nvPicPr>
+        <p:blipFill>
+          <a:blip r:embed="rId4">
+            <a:extLst>
+              <a:ext uri="{28A0092B-C50C-407E-A947-70E740481C1C}">
+                <a14:useLocalDpi xmlns:a14="http://schemas.microsoft.com/office/drawing/2010/main" val="0"/>
+              </a:ext>
+              <a:ext uri="{96DAC541-7B7A-43D3-8B79-37D633B846F1}">
+                <asvg:svgBlip xmlns:asvg="http://schemas.microsoft.com/office/drawing/2016/SVG/main" r:embed="rId5"/>
+              </a:ext>
+            </a:extLst>
+          </a:blip>
+          <a:srcRect/>
+          <a:stretch/>
+        </p:blipFill>
+        <p:spPr>
+          <a:xfrm>
+            <a:off x="2750400" y="2505600"/>
+            <a:ext cx="2340000" cy="3120000"/>
+          </a:xfrm>
+          <a:prstGeom prst="rect">
+            <a:avLst/>
+          </a:prstGeom>
+          <a:scene3d>
+            <a:camera prst="orthographicFront">
+              <a:rot lat="0" lon="0" rev="720000"/>
+            </a:camera>
+            <a:lightRig rig="threePt" dir="t"/>
+          </a:scene3d>
+        </p:spPr>
+      </p:pic>
+      <p:sp>
+        <p:nvSpPr>
+          <p:cNvPr id="9" name="矩形: 圆角 8">
+            <a:extLst>
+              <a:ext uri="{FF2B5EF4-FFF2-40B4-BE49-F238E27FC236}">
+                <a16:creationId xmlns:a16="http://schemas.microsoft.com/office/drawing/2014/main" id="{27C70BBC-2285-4C5D-A6C9-140641A47639}"/>
+              </a:ext>
+            </a:extLst>
+          </p:cNvPr>
+          <p:cNvSpPr>
+            <a:spLocks/>
+          </p:cNvSpPr>
+          <p:nvPr/>
+        </p:nvSpPr>
+        <p:spPr>
+          <a:xfrm>
+            <a:off x="4831200" y="2491200"/>
+            <a:ext cx="2520000" cy="3363329"/>
+          </a:xfrm>
+          <a:prstGeom prst="roundRect">
+            <a:avLst/>
+          </a:prstGeom>
+          <a:solidFill>
+            <a:srgbClr val="1677FF">
+              <a:alpha val="97255"/>
+            </a:srgbClr>
+          </a:solidFill>
+          <a:ln>
+            <a:solidFill>
+              <a:schemeClr val="accent1">
+                <a:shade val="50000"/>
+                <a:alpha val="92000"/>
+              </a:schemeClr>
+            </a:solidFill>
+          </a:ln>
+        </p:spPr>
+        <p:style>
+          <a:lnRef idx="2">
+            <a:schemeClr val="accent1">
+              <a:shade val="50000"/>
+            </a:schemeClr>
+          </a:lnRef>
+          <a:fillRef idx="1">
+            <a:schemeClr val="accent1"/>
+          </a:fillRef>
+          <a:effectRef idx="0">
+            <a:schemeClr val="accent1"/>
+          </a:effectRef>
+          <a:fontRef idx="minor">
+            <a:schemeClr val="lt1"/>
+          </a:fontRef>
+        </p:style>
+        <p:txBody>
+          <a:bodyPr rtlCol="0" anchor="ctr"/>
+          <a:lstStyle/>
+          <a:p>
+            <a:pPr algn="ctr"/>
+            <a:endParaRPr lang="zh-CN" altLang="en-US"/>
+          </a:p>
+        </p:txBody>
+      </p:sp>
+      <p:sp>
+        <p:nvSpPr>
+          <p:cNvPr id="6" name="矩形: 圆角 5">
+            <a:extLst>
+              <a:ext uri="{FF2B5EF4-FFF2-40B4-BE49-F238E27FC236}">
+                <a16:creationId xmlns:a16="http://schemas.microsoft.com/office/drawing/2014/main" id="{ADF9BF9C-1391-4DA4-AA2D-F47E089C8551}"/>
+              </a:ext>
+            </a:extLst>
+          </p:cNvPr>
+          <p:cNvSpPr>
+            <a:spLocks/>
+          </p:cNvSpPr>
+          <p:nvPr/>
+        </p:nvSpPr>
+        <p:spPr>
+          <a:xfrm>
+            <a:off x="4651147" y="2312211"/>
+            <a:ext cx="2520000" cy="3363329"/>
+          </a:xfrm>
+          <a:prstGeom prst="roundRect">
+            <a:avLst/>
+          </a:prstGeom>
+          <a:solidFill>
+            <a:srgbClr val="111827"/>
+          </a:solidFill>
+          <a:ln w="12700">
+            <a:solidFill>
+              <a:schemeClr val="accent1">
+                <a:shade val="50000"/>
+              </a:schemeClr>
+            </a:solidFill>
+          </a:ln>
+        </p:spPr>
+        <p:style>
+          <a:lnRef idx="2">
+            <a:schemeClr val="accent1">
+              <a:shade val="50000"/>
+            </a:schemeClr>
+          </a:lnRef>
+          <a:fillRef idx="1">
+            <a:schemeClr val="accent1"/>
+          </a:fillRef>
+          <a:effectRef idx="0">
+            <a:schemeClr val="accent1"/>
+          </a:effectRef>
+          <a:fontRef idx="minor">
+            <a:schemeClr val="lt1"/>
+          </a:fontRef>
+        </p:style>
+        <p:txBody>
+          <a:bodyPr rtlCol="0" anchor="ctr"/>
+          <a:lstStyle/>
+          <a:p>
+            <a:pPr algn="ctr"/>
+            <a:endParaRPr lang="zh-CN" altLang="en-US"/>
+          </a:p>
+        </p:txBody>
+      </p:sp>
+      <p:pic>
+        <p:nvPicPr>
+          <p:cNvPr id="5" name="图形 4">
+            <a:extLst>
+              <a:ext uri="{FF2B5EF4-FFF2-40B4-BE49-F238E27FC236}">
+                <a16:creationId xmlns:a16="http://schemas.microsoft.com/office/drawing/2014/main" id="{DB36CCD5-F1DD-4635-917C-8CDABD005CEA}"/>
+              </a:ext>
+            </a:extLst>
+          </p:cNvPr>
+          <p:cNvPicPr>
+            <a:picLocks noChangeAspect="1"/>
+          </p:cNvPicPr>
+          <p:nvPr/>
+        </p:nvPicPr>
+        <p:blipFill>
+          <a:blip r:embed="rId6">
+            <a:extLst>
+              <a:ext uri="{28A0092B-C50C-407E-A947-70E740481C1C}">
+                <a14:useLocalDpi xmlns:a14="http://schemas.microsoft.com/office/drawing/2010/main" val="0"/>
+              </a:ext>
+              <a:ext uri="{96DAC541-7B7A-43D3-8B79-37D633B846F1}">
+                <asvg:svgBlip xmlns:asvg="http://schemas.microsoft.com/office/drawing/2016/SVG/main" r:embed="rId7"/>
+              </a:ext>
+            </a:extLst>
+          </a:blip>
+          <a:srcRect/>
+          <a:stretch/>
+        </p:blipFill>
+        <p:spPr>
+          <a:xfrm>
+            <a:off x="4741200" y="2419200"/>
+            <a:ext cx="2340000" cy="3120000"/>
+          </a:xfrm>
+          <a:prstGeom prst="rect">
+            <a:avLst/>
+          </a:prstGeom>
+        </p:spPr>
+      </p:pic>
+    </p:spTree>
+    <p:extLst>
+      <p:ext uri="{BB962C8B-B14F-4D97-AF65-F5344CB8AC3E}">
+        <p14:creationId xmlns:p14="http://schemas.microsoft.com/office/powerpoint/2010/main" val="705409940"/>
+      </p:ext>
+    </p:extLst>
+  </p:cSld>
+  <p:clrMapOvr>
+    <a:masterClrMapping/>
+  </p:clrMapOvr>
+</p:sld>
+</file>
+
 <file path=ppt/theme/theme1.xml><?xml version="1.0" encoding="utf-8"?>
 <a:theme xmlns:a="http://schemas.openxmlformats.org/drawingml/2006/main" name="Office 主题​​">
   <a:themeElements>
